--- a/presentation/SpRefAppPresentation.pptx
+++ b/presentation/SpRefAppPresentation.pptx
@@ -382,7 +382,7 @@
           <a:p>
             <a:fld id="{DE219B1A-AE41-483B-A766-69B9363DDA6A}" type="datetimeFigureOut">
               <a:rPr lang="en-US" smtClean="0"/>
-              <a:t>7/11/2014</a:t>
+              <a:t>8/7/2014</a:t>
             </a:fld>
             <a:endParaRPr lang="en-US"/>
           </a:p>
@@ -664,7 +664,7 @@
           <a:p>
             <a:fld id="{D51B1278-D92B-4AF3-A9C1-71DD298190CE}" type="datetimeFigureOut">
               <a:rPr lang="en-US" smtClean="0"/>
-              <a:t>7/11/2014</a:t>
+              <a:t>8/7/2014</a:t>
             </a:fld>
             <a:endParaRPr lang="en-US"/>
           </a:p>
@@ -1152,7 +1152,7 @@
           <a:p>
             <a:fld id="{D4664A66-7F43-48D1-91D2-AE7A931D6495}" type="datetime1">
               <a:rPr lang="en-US" smtClean="0"/>
-              <a:t>7/11/2014</a:t>
+              <a:t>8/7/2014</a:t>
             </a:fld>
             <a:endParaRPr lang="en-US"/>
           </a:p>
@@ -1518,7 +1518,7 @@
           <a:p>
             <a:fld id="{9D8A3352-7ED8-491B-B4E2-E177D626987C}" type="datetime1">
               <a:rPr lang="en-US" smtClean="0"/>
-              <a:t>7/11/2014</a:t>
+              <a:t>8/7/2014</a:t>
             </a:fld>
             <a:endParaRPr lang="en-US"/>
           </a:p>
@@ -1781,7 +1781,7 @@
           <a:p>
             <a:fld id="{F9163CE6-A2E6-4B99-8576-8A426404BA73}" type="datetime1">
               <a:rPr lang="en-US" smtClean="0"/>
-              <a:t>7/11/2014</a:t>
+              <a:t>8/7/2014</a:t>
             </a:fld>
             <a:endParaRPr lang="en-US"/>
           </a:p>
@@ -2009,7 +2009,7 @@
           <a:p>
             <a:fld id="{B0BF88E2-048A-4301-A05B-CB8CD892AB05}" type="datetime1">
               <a:rPr lang="en-US" smtClean="0"/>
-              <a:t>7/11/2014</a:t>
+              <a:t>8/7/2014</a:t>
             </a:fld>
             <a:endParaRPr lang="en-US"/>
           </a:p>
@@ -2326,7 +2326,7 @@
           <a:p>
             <a:fld id="{C02AFC63-0FBA-4EDC-AC08-0C41A9D13B8D}" type="datetime1">
               <a:rPr lang="en-US" smtClean="0"/>
-              <a:t>7/11/2014</a:t>
+              <a:t>8/7/2014</a:t>
             </a:fld>
             <a:endParaRPr lang="en-US"/>
           </a:p>
@@ -2565,7 +2565,7 @@
           <a:p>
             <a:fld id="{741B1FB0-C76F-4565-BB83-EFE5076845D7}" type="datetime1">
               <a:rPr lang="en-US" smtClean="0"/>
-              <a:t>7/11/2014</a:t>
+              <a:t>8/7/2014</a:t>
             </a:fld>
             <a:endParaRPr lang="en-US"/>
           </a:p>
@@ -2792,7 +2792,7 @@
           <a:p>
             <a:fld id="{C46C2C4A-2A02-4D8E-B5D3-A6A824470B91}" type="datetime1">
               <a:rPr lang="en-US" smtClean="0"/>
-              <a:t>7/11/2014</a:t>
+              <a:t>8/7/2014</a:t>
             </a:fld>
             <a:endParaRPr lang="en-US"/>
           </a:p>
@@ -3109,7 +3109,7 @@
           <a:p>
             <a:fld id="{0BB6559B-C68D-49B4-97AE-9BB74C417927}" type="datetime1">
               <a:rPr lang="en-US" smtClean="0"/>
-              <a:t>7/11/2014</a:t>
+              <a:t>8/7/2014</a:t>
             </a:fld>
             <a:endParaRPr lang="en-US"/>
           </a:p>
@@ -3233,7 +3233,7 @@
           <a:p>
             <a:fld id="{355EDA4F-39EC-4E6C-99E3-546C2C04E250}" type="datetime1">
               <a:rPr lang="en-US" smtClean="0"/>
-              <a:t>7/11/2014</a:t>
+              <a:t>8/7/2014</a:t>
             </a:fld>
             <a:endParaRPr lang="en-US"/>
           </a:p>
@@ -3614,7 +3614,7 @@
           <a:p>
             <a:fld id="{81505BD5-07C7-4FB6-AFBC-1B7B235D23A5}" type="datetime1">
               <a:rPr lang="en-US" smtClean="0"/>
-              <a:t>7/11/2014</a:t>
+              <a:t>8/7/2014</a:t>
             </a:fld>
             <a:endParaRPr lang="en-US"/>
           </a:p>
@@ -3756,7 +3756,7 @@
           <a:p>
             <a:fld id="{D4E1B517-3268-412E-87EC-4C1446C2F464}" type="datetime1">
               <a:rPr lang="en-US" smtClean="0"/>
-              <a:t>7/11/2014</a:t>
+              <a:t>8/7/2014</a:t>
             </a:fld>
             <a:endParaRPr lang="en-US"/>
           </a:p>
@@ -3983,7 +3983,7 @@
           <a:p>
             <a:fld id="{D6E333C7-98E5-48F2-8C00-10561DEAB8EF}" type="datetime1">
               <a:rPr lang="en-US" smtClean="0"/>
-              <a:t>7/11/2014</a:t>
+              <a:t>8/7/2014</a:t>
             </a:fld>
             <a:endParaRPr lang="en-US"/>
           </a:p>
@@ -4232,7 +4232,7 @@
           <a:p>
             <a:fld id="{C189E40D-5950-412D-8C12-2E3E0A42A209}" type="datetime1">
               <a:rPr lang="en-US" smtClean="0"/>
-              <a:t>7/11/2014</a:t>
+              <a:t>8/7/2014</a:t>
             </a:fld>
             <a:endParaRPr lang="en-US"/>
           </a:p>
@@ -4488,7 +4488,7 @@
           <a:p>
             <a:fld id="{23AD8EAA-3B2A-459B-A626-2D528FE76A2E}" type="datetime1">
               <a:rPr lang="en-US" smtClean="0"/>
-              <a:t>7/11/2014</a:t>
+              <a:t>8/7/2014</a:t>
             </a:fld>
             <a:endParaRPr lang="en-US"/>
           </a:p>
@@ -4744,7 +4744,7 @@
           <a:p>
             <a:fld id="{0FB60794-B077-4A98-99AF-81ADD814EAC9}" type="datetime1">
               <a:rPr lang="en-US" smtClean="0"/>
-              <a:t>7/11/2014</a:t>
+              <a:t>8/7/2014</a:t>
             </a:fld>
             <a:endParaRPr lang="en-US"/>
           </a:p>
@@ -5046,7 +5046,7 @@
           <a:p>
             <a:fld id="{21B283B1-2122-45CA-B656-30F9F567F85C}" type="datetime1">
               <a:rPr lang="en-US" smtClean="0"/>
-              <a:t>7/11/2014</a:t>
+              <a:t>8/7/2014</a:t>
             </a:fld>
             <a:endParaRPr lang="en-US"/>
           </a:p>
@@ -14132,14 +14132,19 @@
             <p:ph type="title"/>
           </p:nvPr>
         </p:nvSpPr>
-        <p:spPr/>
+        <p:spPr>
+          <a:xfrm>
+            <a:off x="978694" y="2109542"/>
+            <a:ext cx="10837485" cy="997196"/>
+          </a:xfrm>
+        </p:spPr>
         <p:txBody>
           <a:bodyPr/>
           <a:lstStyle/>
           <a:p>
             <a:r>
               <a:rPr lang="en-US" dirty="0" smtClean="0"/>
-              <a:t>Leveraging Azure AD Apps with Office 365 &amp; Single Sign-On</a:t>
+              <a:t>Building Office 365 Apps with Azure AD &amp; Single Sign-On</a:t>
             </a:r>
             <a:endParaRPr lang="en-US" dirty="0"/>
           </a:p>
@@ -14155,35 +14160,309 @@
             <p:ph type="body" sz="quarter" idx="12"/>
           </p:nvPr>
         </p:nvSpPr>
-        <p:spPr/>
+        <p:spPr>
+          <a:xfrm>
+            <a:off x="978694" y="3425825"/>
+            <a:ext cx="5066999" cy="498598"/>
+          </a:xfrm>
+        </p:spPr>
         <p:txBody>
           <a:bodyPr/>
           <a:lstStyle/>
           <a:p>
             <a:r>
-              <a:rPr lang="en-US" dirty="0"/>
-              <a:t>Speaker </a:t>
-            </a:r>
-            <a:r>
               <a:rPr lang="en-US" dirty="0" smtClean="0"/>
-              <a:t>name</a:t>
+              <a:t>Andrew Connell</a:t>
+            </a:r>
+          </a:p>
+          <a:p>
+            <a:r>
+              <a:rPr lang="en-US" dirty="0" smtClean="0"/>
+              <a:t>@</a:t>
+            </a:r>
+            <a:r>
+              <a:rPr lang="en-US" dirty="0" err="1" smtClean="0"/>
+              <a:t>AndrewConnell</a:t>
+            </a:r>
+            <a:endParaRPr lang="en-US" dirty="0" smtClean="0"/>
+          </a:p>
+          <a:p>
+            <a:r>
+              <a:rPr lang="en-US" dirty="0" smtClean="0"/>
+              <a:t>Microsoft MVP SharePoint</a:t>
             </a:r>
             <a:endParaRPr lang="en-US" dirty="0"/>
           </a:p>
-          <a:p>
-            <a:r>
-              <a:rPr lang="en-US" dirty="0"/>
-              <a:t>Title</a:t>
-            </a:r>
-          </a:p>
-          <a:p>
-            <a:r>
-              <a:rPr lang="en-US"/>
-              <a:t>Microsoft </a:t>
-            </a:r>
-            <a:r>
-              <a:rPr lang="en-US" smtClean="0"/>
-              <a:t>Corporation</a:t>
+        </p:txBody>
+      </p:sp>
+      <p:sp>
+        <p:nvSpPr>
+          <p:cNvPr id="6" name="Text Placeholder 4"/>
+          <p:cNvSpPr txBox="1">
+            <a:spLocks/>
+          </p:cNvSpPr>
+          <p:nvPr/>
+        </p:nvSpPr>
+        <p:spPr>
+          <a:xfrm>
+            <a:off x="6546473" y="3425825"/>
+            <a:ext cx="5066999" cy="498598"/>
+          </a:xfrm>
+          <a:prstGeom prst="rect">
+            <a:avLst/>
+          </a:prstGeom>
+        </p:spPr>
+        <p:txBody>
+          <a:bodyPr vert="horz" lIns="0" tIns="0" rIns="0" bIns="0" rtlCol="0">
+            <a:noAutofit/>
+          </a:bodyPr>
+          <a:lstStyle>
+            <a:lvl1pPr marL="0" marR="0" indent="0" algn="l" defTabSz="914363" rtl="0" eaLnBrk="1" fontAlgn="auto" latinLnBrk="0" hangingPunct="1">
+              <a:lnSpc>
+                <a:spcPct val="90000"/>
+              </a:lnSpc>
+              <a:spcBef>
+                <a:spcPts val="0"/>
+              </a:spcBef>
+              <a:spcAft>
+                <a:spcPts val="0"/>
+              </a:spcAft>
+              <a:buClrTx/>
+              <a:buSzPct val="80000"/>
+              <a:buFont typeface="Arial" pitchFamily="34" charset="0"/>
+              <a:buNone/>
+              <a:tabLst/>
+              <a:defRPr sz="3600" kern="1200" spc="-70" baseline="0">
+                <a:gradFill>
+                  <a:gsLst>
+                    <a:gs pos="0">
+                      <a:schemeClr val="bg1"/>
+                    </a:gs>
+                    <a:gs pos="100000">
+                      <a:schemeClr val="bg1"/>
+                    </a:gs>
+                  </a:gsLst>
+                  <a:lin ang="5400000" scaled="0"/>
+                </a:gradFill>
+                <a:latin typeface="+mj-lt"/>
+                <a:ea typeface="+mn-ea"/>
+                <a:cs typeface="+mn-cs"/>
+              </a:defRPr>
+            </a:lvl1pPr>
+            <a:lvl2pPr marL="573088" marR="0" indent="-233363" algn="l" defTabSz="914363" rtl="0" eaLnBrk="1" fontAlgn="auto" latinLnBrk="0" hangingPunct="1">
+              <a:lnSpc>
+                <a:spcPct val="90000"/>
+              </a:lnSpc>
+              <a:spcBef>
+                <a:spcPct val="20000"/>
+              </a:spcBef>
+              <a:spcAft>
+                <a:spcPts val="0"/>
+              </a:spcAft>
+              <a:buClrTx/>
+              <a:buSzPct val="90000"/>
+              <a:buFont typeface="Wingdings" pitchFamily="2" charset="2"/>
+              <a:buChar char=""/>
+              <a:tabLst/>
+              <a:defRPr sz="2400" kern="1200" spc="0" baseline="0">
+                <a:gradFill>
+                  <a:gsLst>
+                    <a:gs pos="1250">
+                      <a:schemeClr val="bg2"/>
+                    </a:gs>
+                    <a:gs pos="100000">
+                      <a:schemeClr val="bg2"/>
+                    </a:gs>
+                  </a:gsLst>
+                  <a:lin ang="5400000" scaled="0"/>
+                </a:gradFill>
+                <a:latin typeface="+mn-lt"/>
+                <a:ea typeface="+mn-ea"/>
+                <a:cs typeface="+mn-cs"/>
+              </a:defRPr>
+            </a:lvl2pPr>
+            <a:lvl3pPr marL="798513" marR="0" indent="-225425" algn="l" defTabSz="914363" rtl="0" eaLnBrk="1" fontAlgn="auto" latinLnBrk="0" hangingPunct="1">
+              <a:lnSpc>
+                <a:spcPct val="90000"/>
+              </a:lnSpc>
+              <a:spcBef>
+                <a:spcPct val="20000"/>
+              </a:spcBef>
+              <a:spcAft>
+                <a:spcPts val="0"/>
+              </a:spcAft>
+              <a:buClrTx/>
+              <a:buSzPct val="90000"/>
+              <a:buFont typeface="Wingdings" pitchFamily="2" charset="2"/>
+              <a:buChar char=""/>
+              <a:tabLst>
+                <a:tab pos="798513" algn="l"/>
+              </a:tabLst>
+              <a:defRPr sz="2400" kern="1200" spc="0" baseline="0">
+                <a:gradFill>
+                  <a:gsLst>
+                    <a:gs pos="1250">
+                      <a:schemeClr val="bg2"/>
+                    </a:gs>
+                    <a:gs pos="100000">
+                      <a:schemeClr val="bg2"/>
+                    </a:gs>
+                  </a:gsLst>
+                  <a:lin ang="5400000" scaled="0"/>
+                </a:gradFill>
+                <a:latin typeface="+mn-lt"/>
+                <a:ea typeface="+mn-ea"/>
+                <a:cs typeface="+mn-cs"/>
+              </a:defRPr>
+            </a:lvl3pPr>
+            <a:lvl4pPr marL="1030288" marR="0" indent="-231775" algn="l" defTabSz="914363" rtl="0" eaLnBrk="1" fontAlgn="auto" latinLnBrk="0" hangingPunct="1">
+              <a:lnSpc>
+                <a:spcPct val="90000"/>
+              </a:lnSpc>
+              <a:spcBef>
+                <a:spcPct val="20000"/>
+              </a:spcBef>
+              <a:spcAft>
+                <a:spcPts val="0"/>
+              </a:spcAft>
+              <a:buClrTx/>
+              <a:buSzPct val="90000"/>
+              <a:buFont typeface="Wingdings" pitchFamily="2" charset="2"/>
+              <a:buChar char=""/>
+              <a:tabLst/>
+              <a:defRPr sz="2000" kern="1200" spc="0" baseline="0">
+                <a:gradFill>
+                  <a:gsLst>
+                    <a:gs pos="1250">
+                      <a:schemeClr val="bg2"/>
+                    </a:gs>
+                    <a:gs pos="100000">
+                      <a:schemeClr val="bg2"/>
+                    </a:gs>
+                  </a:gsLst>
+                  <a:lin ang="5400000" scaled="0"/>
+                </a:gradFill>
+                <a:latin typeface="+mn-lt"/>
+                <a:ea typeface="+mn-ea"/>
+                <a:cs typeface="+mn-cs"/>
+              </a:defRPr>
+            </a:lvl4pPr>
+            <a:lvl5pPr marL="1255713" marR="0" indent="-225425" algn="l" defTabSz="914363" rtl="0" eaLnBrk="1" fontAlgn="auto" latinLnBrk="0" hangingPunct="1">
+              <a:lnSpc>
+                <a:spcPct val="90000"/>
+              </a:lnSpc>
+              <a:spcBef>
+                <a:spcPct val="20000"/>
+              </a:spcBef>
+              <a:spcAft>
+                <a:spcPts val="0"/>
+              </a:spcAft>
+              <a:buClrTx/>
+              <a:buSzPct val="90000"/>
+              <a:buFont typeface="Wingdings" pitchFamily="2" charset="2"/>
+              <a:buChar char=""/>
+              <a:tabLst>
+                <a:tab pos="1255713" algn="l"/>
+              </a:tabLst>
+              <a:defRPr sz="2000" kern="1200" spc="0" baseline="0">
+                <a:gradFill>
+                  <a:gsLst>
+                    <a:gs pos="1250">
+                      <a:schemeClr val="bg2"/>
+                    </a:gs>
+                    <a:gs pos="100000">
+                      <a:schemeClr val="bg2"/>
+                    </a:gs>
+                  </a:gsLst>
+                  <a:lin ang="5400000" scaled="0"/>
+                </a:gradFill>
+                <a:latin typeface="+mn-lt"/>
+                <a:ea typeface="+mn-ea"/>
+                <a:cs typeface="+mn-cs"/>
+              </a:defRPr>
+            </a:lvl5pPr>
+            <a:lvl6pPr marL="2514499" indent="-228591" algn="l" defTabSz="914363" rtl="0" eaLnBrk="1" latinLnBrk="0" hangingPunct="1">
+              <a:spcBef>
+                <a:spcPct val="20000"/>
+              </a:spcBef>
+              <a:buFont typeface="Arial" pitchFamily="34" charset="0"/>
+              <a:buChar char="•"/>
+              <a:defRPr sz="2000" kern="1200">
+                <a:solidFill>
+                  <a:schemeClr val="tx1"/>
+                </a:solidFill>
+                <a:latin typeface="+mn-lt"/>
+                <a:ea typeface="+mn-ea"/>
+                <a:cs typeface="+mn-cs"/>
+              </a:defRPr>
+            </a:lvl6pPr>
+            <a:lvl7pPr marL="2971681" indent="-228591" algn="l" defTabSz="914363" rtl="0" eaLnBrk="1" latinLnBrk="0" hangingPunct="1">
+              <a:spcBef>
+                <a:spcPct val="20000"/>
+              </a:spcBef>
+              <a:buFont typeface="Arial" pitchFamily="34" charset="0"/>
+              <a:buChar char="•"/>
+              <a:defRPr sz="2000" kern="1200">
+                <a:solidFill>
+                  <a:schemeClr val="tx1"/>
+                </a:solidFill>
+                <a:latin typeface="+mn-lt"/>
+                <a:ea typeface="+mn-ea"/>
+                <a:cs typeface="+mn-cs"/>
+              </a:defRPr>
+            </a:lvl7pPr>
+            <a:lvl8pPr marL="3428863" indent="-228591" algn="l" defTabSz="914363" rtl="0" eaLnBrk="1" latinLnBrk="0" hangingPunct="1">
+              <a:spcBef>
+                <a:spcPct val="20000"/>
+              </a:spcBef>
+              <a:buFont typeface="Arial" pitchFamily="34" charset="0"/>
+              <a:buChar char="•"/>
+              <a:defRPr sz="2000" kern="1200">
+                <a:solidFill>
+                  <a:schemeClr val="tx1"/>
+                </a:solidFill>
+                <a:latin typeface="+mn-lt"/>
+                <a:ea typeface="+mn-ea"/>
+                <a:cs typeface="+mn-cs"/>
+              </a:defRPr>
+            </a:lvl8pPr>
+            <a:lvl9pPr marL="3886045" indent="-228591" algn="l" defTabSz="914363" rtl="0" eaLnBrk="1" latinLnBrk="0" hangingPunct="1">
+              <a:spcBef>
+                <a:spcPct val="20000"/>
+              </a:spcBef>
+              <a:buFont typeface="Arial" pitchFamily="34" charset="0"/>
+              <a:buChar char="•"/>
+              <a:defRPr sz="2000" kern="1200">
+                <a:solidFill>
+                  <a:schemeClr val="tx1"/>
+                </a:solidFill>
+                <a:latin typeface="+mn-lt"/>
+                <a:ea typeface="+mn-ea"/>
+                <a:cs typeface="+mn-cs"/>
+              </a:defRPr>
+            </a:lvl9pPr>
+          </a:lstStyle>
+          <a:p>
+            <a:r>
+              <a:rPr lang="en-US" dirty="0" smtClean="0"/>
+              <a:t>Scot Hillier</a:t>
+            </a:r>
+          </a:p>
+          <a:p>
+            <a:r>
+              <a:rPr lang="en-US" dirty="0" smtClean="0"/>
+              <a:t>@</a:t>
+            </a:r>
+            <a:r>
+              <a:rPr lang="en-US" dirty="0" err="1" smtClean="0"/>
+              <a:t>ScotHillier</a:t>
+            </a:r>
+            <a:endParaRPr lang="en-US" dirty="0" smtClean="0"/>
+          </a:p>
+          <a:p>
+            <a:r>
+              <a:rPr lang="en-US" dirty="0" smtClean="0"/>
+              <a:t>Microsoft MVP SharePoint</a:t>
             </a:r>
             <a:endParaRPr lang="en-US" dirty="0"/>
           </a:p>
@@ -16230,13 +16509,8 @@
           <a:p>
             <a:r>
               <a:rPr lang="en-US" dirty="0" smtClean="0"/>
-              <a:t>Outlook Web </a:t>
-            </a:r>
-            <a:r>
-              <a:rPr lang="en-US" dirty="0" smtClean="0"/>
-              <a:t>App</a:t>
-            </a:r>
-            <a:endParaRPr lang="en-US" dirty="0" smtClean="0"/>
+              <a:t>Outlook Web App</a:t>
+            </a:r>
           </a:p>
         </p:txBody>
       </p:sp>
@@ -21163,9 +21437,12 @@
 </file>
 
 <file path=customXml/item1.xml><?xml version="1.0" encoding="utf-8"?>
-<p:properties xmlns:p="http://schemas.microsoft.com/office/2006/metadata/properties" xmlns:xsi="http://www.w3.org/2001/XMLSchema-instance" xmlns:pc="http://schemas.microsoft.com/office/infopath/2007/PartnerControls">
-  <documentManagement/>
-</p:properties>
+<?mso-contentType ?>
+<FormTemplates xmlns="http://schemas.microsoft.com/sharepoint/v3/contenttype/forms">
+  <Display>DocumentLibraryForm</Display>
+  <Edit>DocumentLibraryForm</Edit>
+  <New>DocumentLibraryForm</New>
+</FormTemplates>
 </file>
 
 <file path=customXml/item2.xml><?xml version="1.0" encoding="utf-8"?>
@@ -21309,26 +21586,15 @@
 </file>
 
 <file path=customXml/item3.xml><?xml version="1.0" encoding="utf-8"?>
-<?mso-contentType ?>
-<FormTemplates xmlns="http://schemas.microsoft.com/sharepoint/v3/contenttype/forms">
-  <Display>DocumentLibraryForm</Display>
-  <Edit>DocumentLibraryForm</Edit>
-  <New>DocumentLibraryForm</New>
-</FormTemplates>
+<p:properties xmlns:p="http://schemas.microsoft.com/office/2006/metadata/properties" xmlns:xsi="http://www.w3.org/2001/XMLSchema-instance" xmlns:pc="http://schemas.microsoft.com/office/infopath/2007/PartnerControls">
+  <documentManagement/>
+</p:properties>
 </file>
 
 <file path=customXml/itemProps1.xml><?xml version="1.0" encoding="utf-8"?>
-<ds:datastoreItem xmlns:ds="http://schemas.openxmlformats.org/officeDocument/2006/customXml" ds:itemID="{DA593625-DB14-4FB0-B5A9-3269FA9C120B}">
+<ds:datastoreItem xmlns:ds="http://schemas.openxmlformats.org/officeDocument/2006/customXml" ds:itemID="{E1E0CE18-CA03-4891-9CD8-3448778E3D53}">
   <ds:schemaRefs>
-    <ds:schemaRef ds:uri="http://www.w3.org/XML/1998/namespace"/>
-    <ds:schemaRef ds:uri="http://schemas.openxmlformats.org/package/2006/metadata/core-properties"/>
-    <ds:schemaRef ds:uri="http://schemas.microsoft.com/office/2006/metadata/properties"/>
-    <ds:schemaRef ds:uri="3fe1cf4e-4b51-4a4f-9cf1-69646cfbb0bc"/>
-    <ds:schemaRef ds:uri="http://schemas.microsoft.com/office/infopath/2007/PartnerControls"/>
-    <ds:schemaRef ds:uri="http://purl.org/dc/terms/"/>
-    <ds:schemaRef ds:uri="http://schemas.microsoft.com/office/2006/documentManagement/types"/>
-    <ds:schemaRef ds:uri="http://purl.org/dc/dcmitype/"/>
-    <ds:schemaRef ds:uri="http://purl.org/dc/elements/1.1/"/>
+    <ds:schemaRef ds:uri="http://schemas.microsoft.com/sharepoint/v3/contenttype/forms"/>
   </ds:schemaRefs>
 </ds:datastoreItem>
 </file>
@@ -21352,9 +21618,17 @@
 </file>
 
 <file path=customXml/itemProps3.xml><?xml version="1.0" encoding="utf-8"?>
-<ds:datastoreItem xmlns:ds="http://schemas.openxmlformats.org/officeDocument/2006/customXml" ds:itemID="{E1E0CE18-CA03-4891-9CD8-3448778E3D53}">
+<ds:datastoreItem xmlns:ds="http://schemas.openxmlformats.org/officeDocument/2006/customXml" ds:itemID="{DA593625-DB14-4FB0-B5A9-3269FA9C120B}">
   <ds:schemaRefs>
-    <ds:schemaRef ds:uri="http://schemas.microsoft.com/sharepoint/v3/contenttype/forms"/>
+    <ds:schemaRef ds:uri="http://purl.org/dc/dcmitype/"/>
+    <ds:schemaRef ds:uri="http://schemas.openxmlformats.org/package/2006/metadata/core-properties"/>
+    <ds:schemaRef ds:uri="http://schemas.microsoft.com/office/2006/documentManagement/types"/>
+    <ds:schemaRef ds:uri="http://schemas.microsoft.com/office/2006/metadata/properties"/>
+    <ds:schemaRef ds:uri="http://www.w3.org/XML/1998/namespace"/>
+    <ds:schemaRef ds:uri="http://purl.org/dc/elements/1.1/"/>
+    <ds:schemaRef ds:uri="http://schemas.microsoft.com/office/infopath/2007/PartnerControls"/>
+    <ds:schemaRef ds:uri="3fe1cf4e-4b51-4a4f-9cf1-69646cfbb0bc"/>
+    <ds:schemaRef ds:uri="http://purl.org/dc/terms/"/>
   </ds:schemaRefs>
 </ds:datastoreItem>
 </file>